--- a/Project3_Final_ Pres_Update.pptx
+++ b/Project3_Final_ Pres_Update.pptx
@@ -11,8 +11,10 @@
     <p:sldId id="285" r:id="rId8"/>
     <p:sldId id="280" r:id="rId9"/>
     <p:sldId id="286" r:id="rId10"/>
-    <p:sldId id="282" r:id="rId11"/>
-    <p:sldId id="284" r:id="rId12"/>
+    <p:sldId id="288" r:id="rId11"/>
+    <p:sldId id="287" r:id="rId12"/>
+    <p:sldId id="282" r:id="rId13"/>
+    <p:sldId id="284" r:id="rId14"/>
   </p:sldIdLst>
   <p:sldSz cx="12192000" cy="6858000"/>
   <p:notesSz cx="6858000" cy="9144000"/>
@@ -3466,23 +3468,7 @@
                   <a:srgbClr val="FFFFFF"/>
                 </a:solidFill>
               </a:rPr>
-              <a:t>  </a:t>
-            </a:r>
-            <a:r>
-              <a:rPr lang="en-US" sz="3200" dirty="0" err="1">
-                <a:solidFill>
-                  <a:srgbClr val="FFFFFF"/>
-                </a:solidFill>
-              </a:rPr>
-              <a:t>Teaminator</a:t>
-            </a:r>
-            <a:r>
-              <a:rPr lang="en-US" sz="3200" dirty="0">
-                <a:solidFill>
-                  <a:srgbClr val="FFFFFF"/>
-                </a:solidFill>
-              </a:rPr>
-              <a:t> 3</a:t>
+              <a:t>  Teaminator 3</a:t>
             </a:r>
             <a:br>
               <a:rPr lang="en-US" sz="2400" dirty="0">
@@ -3748,6 +3734,346 @@
     <p:extLst>
       <p:ext uri="{BB962C8B-B14F-4D97-AF65-F5344CB8AC3E}">
         <p14:creationId xmlns:p14="http://schemas.microsoft.com/office/powerpoint/2010/main" val="2424003712"/>
+      </p:ext>
+    </p:extLst>
+  </p:cSld>
+  <p:clrMapOvr>
+    <a:masterClrMapping/>
+  </p:clrMapOvr>
+</p:sld>
+</file>
+
+<file path=ppt/slides/slide10.xml><?xml version="1.0" encoding="utf-8"?>
+<p:sld xmlns:a="http://schemas.openxmlformats.org/drawingml/2006/main" xmlns:r="http://schemas.openxmlformats.org/officeDocument/2006/relationships" xmlns:p="http://schemas.openxmlformats.org/presentationml/2006/main">
+  <p:cSld>
+    <p:spTree>
+      <p:nvGrpSpPr>
+        <p:cNvPr id="1" name=""/>
+        <p:cNvGrpSpPr/>
+        <p:nvPr/>
+      </p:nvGrpSpPr>
+      <p:grpSpPr>
+        <a:xfrm>
+          <a:off x="0" y="0"/>
+          <a:ext cx="0" cy="0"/>
+          <a:chOff x="0" y="0"/>
+          <a:chExt cx="0" cy="0"/>
+        </a:xfrm>
+      </p:grpSpPr>
+      <p:sp>
+        <p:nvSpPr>
+          <p:cNvPr id="11" name="TextBox 10">
+            <a:extLst>
+              <a:ext uri="{FF2B5EF4-FFF2-40B4-BE49-F238E27FC236}">
+                <a16:creationId xmlns:a16="http://schemas.microsoft.com/office/drawing/2014/main" id="{43DB60EC-2E0A-4FE2-B573-384D540F4453}"/>
+              </a:ext>
+            </a:extLst>
+          </p:cNvPr>
+          <p:cNvSpPr txBox="1"/>
+          <p:nvPr/>
+        </p:nvSpPr>
+        <p:spPr>
+          <a:xfrm>
+            <a:off x="460643" y="506336"/>
+            <a:ext cx="5340389" cy="6155531"/>
+          </a:xfrm>
+          <a:prstGeom prst="rect">
+            <a:avLst/>
+          </a:prstGeom>
+          <a:noFill/>
+        </p:spPr>
+        <p:txBody>
+          <a:bodyPr wrap="square" rtlCol="0">
+            <a:spAutoFit/>
+          </a:bodyPr>
+          <a:lstStyle/>
+          <a:p>
+            <a:endParaRPr lang="en-US" sz="1200" b="1" dirty="0"/>
+          </a:p>
+          <a:p>
+            <a:endParaRPr lang="en-US" sz="1200" b="1" dirty="0"/>
+          </a:p>
+          <a:p>
+            <a:r>
+              <a:rPr lang="en-US" b="1" dirty="0"/>
+              <a:t>Flask Server </a:t>
+            </a:r>
+          </a:p>
+          <a:p>
+            <a:endParaRPr lang="en-US" sz="1200" dirty="0"/>
+          </a:p>
+          <a:p>
+            <a:pPr marL="342900" indent="-342900">
+              <a:buAutoNum type="arabicPeriod"/>
+            </a:pPr>
+            <a:r>
+              <a:rPr lang="en-US" sz="1400" dirty="0"/>
+              <a:t>Created 4 Routes that allow users to select the EV Providers that they want to view.</a:t>
+            </a:r>
+          </a:p>
+          <a:p>
+            <a:pPr marL="800100" lvl="1" indent="-342900">
+              <a:buAutoNum type="arabicPeriod"/>
+            </a:pPr>
+            <a:r>
+              <a:rPr lang="en-US" sz="1400" dirty="0"/>
+              <a:t>Tesla</a:t>
+            </a:r>
+          </a:p>
+          <a:p>
+            <a:pPr marL="800100" lvl="1" indent="-342900">
+              <a:buAutoNum type="arabicPeriod"/>
+            </a:pPr>
+            <a:r>
+              <a:rPr lang="en-US" sz="1400" dirty="0"/>
+              <a:t>Volta</a:t>
+            </a:r>
+          </a:p>
+          <a:p>
+            <a:pPr marL="800100" lvl="1" indent="-342900">
+              <a:buAutoNum type="arabicPeriod"/>
+            </a:pPr>
+            <a:r>
+              <a:rPr lang="en-US" sz="1400" dirty="0" err="1"/>
+              <a:t>Greenlots</a:t>
+            </a:r>
+            <a:endParaRPr lang="en-US" sz="1400" dirty="0"/>
+          </a:p>
+          <a:p>
+            <a:pPr marL="800100" lvl="1" indent="-342900">
+              <a:buAutoNum type="arabicPeriod"/>
+            </a:pPr>
+            <a:r>
+              <a:rPr lang="en-US" sz="1400" dirty="0"/>
+              <a:t>FLO</a:t>
+            </a:r>
+          </a:p>
+          <a:p>
+            <a:pPr marL="800100" lvl="1" indent="-342900">
+              <a:buAutoNum type="arabicPeriod"/>
+            </a:pPr>
+            <a:endParaRPr lang="en-US" sz="1200" dirty="0"/>
+          </a:p>
+          <a:p>
+            <a:pPr marL="800100" lvl="1" indent="-342900">
+              <a:buAutoNum type="arabicPeriod"/>
+            </a:pPr>
+            <a:endParaRPr lang="en-US" sz="1200" dirty="0"/>
+          </a:p>
+          <a:p>
+            <a:pPr marL="800100" lvl="1" indent="-342900">
+              <a:buAutoNum type="arabicPeriod"/>
+            </a:pPr>
+            <a:endParaRPr lang="en-US" sz="1200" dirty="0"/>
+          </a:p>
+          <a:p>
+            <a:pPr marL="800100" lvl="1" indent="-342900">
+              <a:buAutoNum type="arabicPeriod"/>
+            </a:pPr>
+            <a:endParaRPr lang="en-US" sz="1200" dirty="0"/>
+          </a:p>
+          <a:p>
+            <a:pPr marL="800100" lvl="1" indent="-342900">
+              <a:buAutoNum type="arabicPeriod"/>
+            </a:pPr>
+            <a:endParaRPr lang="en-US" sz="1200" dirty="0"/>
+          </a:p>
+          <a:p>
+            <a:pPr marL="342900" indent="-342900">
+              <a:buAutoNum type="arabicPeriod"/>
+            </a:pPr>
+            <a:endParaRPr lang="en-US" sz="1200" dirty="0"/>
+          </a:p>
+          <a:p>
+            <a:pPr marL="342900" indent="-342900">
+              <a:buAutoNum type="arabicPeriod"/>
+            </a:pPr>
+            <a:r>
+              <a:rPr lang="en-US" sz="1400" dirty="0"/>
+              <a:t>Provided key information on each station when selected</a:t>
+            </a:r>
+          </a:p>
+          <a:p>
+            <a:pPr marL="800100" lvl="1" indent="-342900">
+              <a:buAutoNum type="arabicPeriod"/>
+            </a:pPr>
+            <a:r>
+              <a:rPr lang="en-US" sz="1400" dirty="0"/>
+              <a:t>Facility Type</a:t>
+            </a:r>
+          </a:p>
+          <a:p>
+            <a:pPr marL="800100" lvl="1" indent="-342900">
+              <a:buAutoNum type="arabicPeriod"/>
+            </a:pPr>
+            <a:r>
+              <a:rPr lang="en-US" sz="1400" dirty="0"/>
+              <a:t>Access Days/Time</a:t>
+            </a:r>
+          </a:p>
+          <a:p>
+            <a:pPr marL="800100" lvl="1" indent="-342900">
+              <a:buAutoNum type="arabicPeriod"/>
+            </a:pPr>
+            <a:r>
+              <a:rPr lang="en-US" sz="1400" dirty="0"/>
+              <a:t>City</a:t>
+            </a:r>
+          </a:p>
+          <a:p>
+            <a:pPr marL="800100" lvl="1" indent="-342900">
+              <a:buAutoNum type="arabicPeriod"/>
+            </a:pPr>
+            <a:r>
+              <a:rPr lang="en-US" sz="1400" dirty="0"/>
+              <a:t>Street</a:t>
+            </a:r>
+          </a:p>
+          <a:p>
+            <a:pPr marL="800100" lvl="1" indent="-342900">
+              <a:buAutoNum type="arabicPeriod"/>
+            </a:pPr>
+            <a:r>
+              <a:rPr lang="en-US" sz="1400" dirty="0"/>
+              <a:t>State</a:t>
+            </a:r>
+          </a:p>
+          <a:p>
+            <a:endParaRPr lang="en-US" sz="1600" dirty="0"/>
+          </a:p>
+          <a:p>
+            <a:endParaRPr lang="en-US" sz="1200" dirty="0"/>
+          </a:p>
+          <a:p>
+            <a:pPr marL="342900" indent="-342900">
+              <a:buAutoNum type="arabicPeriod" startAt="4"/>
+            </a:pPr>
+            <a:endParaRPr lang="en-US" sz="1200" b="1" dirty="0"/>
+          </a:p>
+          <a:p>
+            <a:pPr lvl="1"/>
+            <a:endParaRPr lang="en-US" sz="1200" dirty="0"/>
+          </a:p>
+          <a:p>
+            <a:pPr marL="342900" indent="-342900">
+              <a:buAutoNum type="arabicPeriod" startAt="4"/>
+            </a:pPr>
+            <a:endParaRPr lang="en-US" sz="1200" dirty="0"/>
+          </a:p>
+          <a:p>
+            <a:pPr marL="342900" indent="-342900">
+              <a:buAutoNum type="arabicPeriod" startAt="4"/>
+            </a:pPr>
+            <a:endParaRPr lang="en-US" sz="1200" dirty="0"/>
+          </a:p>
+          <a:p>
+            <a:pPr marL="342900" indent="-342900">
+              <a:buAutoNum type="arabicPeriod" startAt="4"/>
+            </a:pPr>
+            <a:endParaRPr lang="en-US" sz="1200" dirty="0"/>
+          </a:p>
+          <a:p>
+            <a:pPr marL="342900" indent="-342900">
+              <a:buAutoNum type="arabicPeriod" startAt="4"/>
+            </a:pPr>
+            <a:endParaRPr lang="en-US" sz="1200" dirty="0"/>
+          </a:p>
+        </p:txBody>
+      </p:sp>
+      <p:pic>
+        <p:nvPicPr>
+          <p:cNvPr id="8" name="Picture 7">
+            <a:extLst>
+              <a:ext uri="{FF2B5EF4-FFF2-40B4-BE49-F238E27FC236}">
+                <a16:creationId xmlns:a16="http://schemas.microsoft.com/office/drawing/2014/main" id="{45168FC7-591C-4375-9F55-4CD37DF204E3}"/>
+              </a:ext>
+            </a:extLst>
+          </p:cNvPr>
+          <p:cNvPicPr>
+            <a:picLocks noChangeAspect="1"/>
+          </p:cNvPicPr>
+          <p:nvPr/>
+        </p:nvPicPr>
+        <p:blipFill>
+          <a:blip r:embed="rId2"/>
+          <a:stretch>
+            <a:fillRect/>
+          </a:stretch>
+        </p:blipFill>
+        <p:spPr>
+          <a:xfrm>
+            <a:off x="6804724" y="1302880"/>
+            <a:ext cx="4731515" cy="4615470"/>
+          </a:xfrm>
+          <a:prstGeom prst="rect">
+            <a:avLst/>
+          </a:prstGeom>
+        </p:spPr>
+      </p:pic>
+      <p:pic>
+        <p:nvPicPr>
+          <p:cNvPr id="10" name="Picture 9">
+            <a:extLst>
+              <a:ext uri="{FF2B5EF4-FFF2-40B4-BE49-F238E27FC236}">
+                <a16:creationId xmlns:a16="http://schemas.microsoft.com/office/drawing/2014/main" id="{390F36B6-D5BF-4592-BF37-2C2C403D10E2}"/>
+              </a:ext>
+            </a:extLst>
+          </p:cNvPr>
+          <p:cNvPicPr>
+            <a:picLocks noChangeAspect="1"/>
+          </p:cNvPicPr>
+          <p:nvPr/>
+        </p:nvPicPr>
+        <p:blipFill>
+          <a:blip r:embed="rId3"/>
+          <a:stretch>
+            <a:fillRect/>
+          </a:stretch>
+        </p:blipFill>
+        <p:spPr>
+          <a:xfrm>
+            <a:off x="4221929" y="4194733"/>
+            <a:ext cx="2330695" cy="1898195"/>
+          </a:xfrm>
+          <a:prstGeom prst="rect">
+            <a:avLst/>
+          </a:prstGeom>
+        </p:spPr>
+      </p:pic>
+      <p:pic>
+        <p:nvPicPr>
+          <p:cNvPr id="14" name="Picture 13">
+            <a:extLst>
+              <a:ext uri="{FF2B5EF4-FFF2-40B4-BE49-F238E27FC236}">
+                <a16:creationId xmlns:a16="http://schemas.microsoft.com/office/drawing/2014/main" id="{3D171E0C-1F62-4AC0-B990-1A2B2E061F3F}"/>
+              </a:ext>
+            </a:extLst>
+          </p:cNvPr>
+          <p:cNvPicPr>
+            <a:picLocks noChangeAspect="1"/>
+          </p:cNvPicPr>
+          <p:nvPr/>
+        </p:nvPicPr>
+        <p:blipFill>
+          <a:blip r:embed="rId4"/>
+          <a:stretch>
+            <a:fillRect/>
+          </a:stretch>
+        </p:blipFill>
+        <p:spPr>
+          <a:xfrm>
+            <a:off x="5333458" y="1714169"/>
+            <a:ext cx="1199637" cy="1408268"/>
+          </a:xfrm>
+          <a:prstGeom prst="rect">
+            <a:avLst/>
+          </a:prstGeom>
+        </p:spPr>
+      </p:pic>
+    </p:spTree>
+    <p:extLst>
+      <p:ext uri="{BB962C8B-B14F-4D97-AF65-F5344CB8AC3E}">
+        <p14:creationId xmlns:p14="http://schemas.microsoft.com/office/powerpoint/2010/main" val="3245962510"/>
       </p:ext>
     </p:extLst>
   </p:cSld>
@@ -4325,7 +4651,7 @@
         </p:nvSpPr>
         <p:spPr>
           <a:xfrm>
-            <a:off x="5630694" y="2426258"/>
+            <a:off x="5320689" y="2481381"/>
             <a:ext cx="2507033" cy="646331"/>
           </a:xfrm>
           <a:prstGeom prst="rect">
@@ -4635,7 +4961,7 @@
         <p:spPr>
           <a:xfrm>
             <a:off x="2173835" y="3369686"/>
-            <a:ext cx="2951129" cy="584775"/>
+            <a:ext cx="3211328" cy="584775"/>
           </a:xfrm>
           <a:prstGeom prst="rect">
             <a:avLst/>
@@ -4656,7 +4982,7 @@
           <a:p>
             <a:r>
               <a:rPr lang="en-US" sz="1400" dirty="0"/>
-              <a:t>       (Leaflet, HTML, CSS, JavaScript)</a:t>
+              <a:t> (Leaflet, HTML, CSS, JavaScript, jQuery)</a:t>
             </a:r>
           </a:p>
         </p:txBody>
@@ -4940,7 +5266,7 @@
           <a:p>
             <a:r>
               <a:rPr lang="en-US" dirty="0"/>
-              <a:t>Additional Slides</a:t>
+              <a:t>Future Enhancements</a:t>
             </a:r>
           </a:p>
         </p:txBody>
@@ -4961,12 +5287,40 @@
             <p:ph idx="1"/>
           </p:nvPr>
         </p:nvSpPr>
-        <p:spPr/>
-        <p:txBody>
-          <a:bodyPr/>
-          <a:lstStyle/>
-          <a:p>
-            <a:endParaRPr lang="en-US" dirty="0"/>
+        <p:spPr>
+          <a:xfrm>
+            <a:off x="581193" y="1388364"/>
+            <a:ext cx="11029615" cy="3634486"/>
+          </a:xfrm>
+        </p:spPr>
+        <p:txBody>
+          <a:bodyPr>
+            <a:normAutofit/>
+          </a:bodyPr>
+          <a:lstStyle/>
+          <a:p>
+            <a:r>
+              <a:rPr lang="en-US" sz="2000" dirty="0"/>
+              <a:t>Create ability to select starting and ending points and map the route with EV Stations to enable EV selection along the route.</a:t>
+            </a:r>
+          </a:p>
+          <a:p>
+            <a:r>
+              <a:rPr lang="en-US" sz="2000" dirty="0"/>
+              <a:t>Create ability to select a state and see all EV Stations in that state</a:t>
+            </a:r>
+          </a:p>
+          <a:p>
+            <a:r>
+              <a:rPr lang="en-US" sz="2000" dirty="0"/>
+              <a:t>Create ability to select “Free” vs “Pay” stations</a:t>
+            </a:r>
+          </a:p>
+          <a:p>
+            <a:r>
+              <a:rPr lang="en-US" sz="2000" dirty="0"/>
+              <a:t>Create ability to create marker clusters</a:t>
+            </a:r>
           </a:p>
         </p:txBody>
       </p:sp>
@@ -5002,330 +5356,61 @@
       </p:grpSpPr>
       <p:sp>
         <p:nvSpPr>
-          <p:cNvPr id="11" name="TextBox 10">
+          <p:cNvPr id="2" name="Title 1">
             <a:extLst>
               <a:ext uri="{FF2B5EF4-FFF2-40B4-BE49-F238E27FC236}">
-                <a16:creationId xmlns:a16="http://schemas.microsoft.com/office/drawing/2014/main" id="{43DB60EC-2E0A-4FE2-B573-384D540F4453}"/>
+                <a16:creationId xmlns:a16="http://schemas.microsoft.com/office/drawing/2014/main" id="{862996F8-BAC3-4B2B-A3A9-4A79C982BBE7}"/>
               </a:ext>
             </a:extLst>
           </p:cNvPr>
-          <p:cNvSpPr txBox="1"/>
-          <p:nvPr/>
-        </p:nvSpPr>
-        <p:spPr>
-          <a:xfrm>
-            <a:off x="460643" y="506336"/>
-            <a:ext cx="5340389" cy="4447371"/>
-          </a:xfrm>
-          <a:prstGeom prst="rect">
-            <a:avLst/>
-          </a:prstGeom>
-          <a:noFill/>
-        </p:spPr>
-        <p:txBody>
-          <a:bodyPr wrap="square" rtlCol="0">
-            <a:spAutoFit/>
-          </a:bodyPr>
-          <a:lstStyle/>
-          <a:p>
-            <a:endParaRPr lang="en-US" sz="1200" b="1" dirty="0"/>
-          </a:p>
-          <a:p>
-            <a:endParaRPr lang="en-US" sz="1200" b="1" dirty="0"/>
-          </a:p>
-          <a:p>
-            <a:r>
-              <a:rPr lang="en-US" b="1" dirty="0"/>
-              <a:t>NREL API Call</a:t>
-            </a:r>
-          </a:p>
-          <a:p>
-            <a:endParaRPr lang="en-US" sz="1200" dirty="0"/>
-          </a:p>
-          <a:p>
-            <a:pPr marL="342900" indent="-342900">
-              <a:buFont typeface="Wingdings" panose="05000000000000000000" pitchFamily="2" charset="2"/>
-              <a:buChar char="q"/>
-            </a:pPr>
-            <a:r>
-              <a:rPr lang="en-US" sz="1200" dirty="0"/>
-              <a:t>Initially pulled the information for each provider in separate calls and added them to the Mongo DB.</a:t>
-            </a:r>
-          </a:p>
-          <a:p>
-            <a:pPr marL="342900" indent="-342900">
-              <a:buFont typeface="Wingdings" panose="05000000000000000000" pitchFamily="2" charset="2"/>
-              <a:buChar char="q"/>
-            </a:pPr>
-            <a:endParaRPr lang="en-US" sz="1200" dirty="0"/>
-          </a:p>
-          <a:p>
-            <a:pPr marL="342900" indent="-342900">
-              <a:buFont typeface="Wingdings" panose="05000000000000000000" pitchFamily="2" charset="2"/>
-              <a:buChar char="q"/>
-            </a:pPr>
-            <a:r>
-              <a:rPr lang="en-US" sz="1200" dirty="0"/>
-              <a:t>Refactored the code to create a For Loop using ZIP that looped through each provider and </a:t>
-            </a:r>
-          </a:p>
-          <a:p>
-            <a:endParaRPr lang="en-US" sz="1600" dirty="0"/>
-          </a:p>
-          <a:p>
-            <a:r>
-              <a:rPr lang="en-US" sz="1600" b="1" dirty="0"/>
-              <a:t>Refactored Code</a:t>
-            </a:r>
-          </a:p>
-          <a:p>
-            <a:pPr marL="354013" indent="-354013">
-              <a:spcBef>
-                <a:spcPts val="600"/>
-              </a:spcBef>
-              <a:buFont typeface="Wingdings" panose="05000000000000000000" pitchFamily="2" charset="2"/>
-              <a:buChar char="q"/>
-            </a:pPr>
-            <a:r>
-              <a:rPr lang="en-US" sz="1200" dirty="0"/>
-              <a:t>Was able to reduce the initial code that had over 200 lines down to just over 50 lines that used a ZIP function to loop through each provider and create a collection for each </a:t>
-            </a:r>
-          </a:p>
-          <a:p>
-            <a:pPr lvl="1"/>
-            <a:endParaRPr lang="en-US" sz="1200" dirty="0"/>
-          </a:p>
-          <a:p>
-            <a:endParaRPr lang="en-US" sz="1200" dirty="0"/>
-          </a:p>
-          <a:p>
-            <a:pPr marL="342900" indent="-342900">
-              <a:buAutoNum type="arabicPeriod" startAt="4"/>
-            </a:pPr>
-            <a:endParaRPr lang="en-US" sz="1200" b="1" dirty="0"/>
-          </a:p>
-          <a:p>
-            <a:pPr lvl="1"/>
-            <a:endParaRPr lang="en-US" sz="1200" dirty="0"/>
-          </a:p>
-          <a:p>
-            <a:pPr marL="342900" indent="-342900">
-              <a:buAutoNum type="arabicPeriod" startAt="4"/>
-            </a:pPr>
-            <a:endParaRPr lang="en-US" sz="1200" dirty="0"/>
-          </a:p>
-          <a:p>
-            <a:pPr marL="342900" indent="-342900">
-              <a:buAutoNum type="arabicPeriod" startAt="4"/>
-            </a:pPr>
-            <a:endParaRPr lang="en-US" sz="1200" dirty="0"/>
-          </a:p>
-          <a:p>
-            <a:pPr marL="342900" indent="-342900">
-              <a:buAutoNum type="arabicPeriod" startAt="4"/>
-            </a:pPr>
-            <a:endParaRPr lang="en-US" sz="1200" dirty="0"/>
-          </a:p>
-          <a:p>
-            <a:pPr marL="342900" indent="-342900">
-              <a:buAutoNum type="arabicPeriod" startAt="4"/>
-            </a:pPr>
-            <a:endParaRPr lang="en-US" sz="1200" dirty="0"/>
-          </a:p>
-        </p:txBody>
-      </p:sp>
-      <p:pic>
-        <p:nvPicPr>
-          <p:cNvPr id="3" name="Picture 2">
+          <p:cNvSpPr>
+            <a:spLocks noGrp="1"/>
+          </p:cNvSpPr>
+          <p:nvPr>
+            <p:ph type="title"/>
+          </p:nvPr>
+        </p:nvSpPr>
+        <p:spPr/>
+        <p:txBody>
+          <a:bodyPr/>
+          <a:lstStyle/>
+          <a:p>
+            <a:r>
+              <a:rPr lang="en-US" dirty="0"/>
+              <a:t>Questions</a:t>
+            </a:r>
+          </a:p>
+        </p:txBody>
+      </p:sp>
+      <p:sp>
+        <p:nvSpPr>
+          <p:cNvPr id="5" name="Content Placeholder 4">
             <a:extLst>
               <a:ext uri="{FF2B5EF4-FFF2-40B4-BE49-F238E27FC236}">
-                <a16:creationId xmlns:a16="http://schemas.microsoft.com/office/drawing/2014/main" id="{7AC38E74-B7A3-4A17-A651-3972E00C6DDF}"/>
+                <a16:creationId xmlns:a16="http://schemas.microsoft.com/office/drawing/2014/main" id="{3C6F1A38-EC0B-4A9F-8282-3F8C07E41618}"/>
               </a:ext>
             </a:extLst>
           </p:cNvPr>
-          <p:cNvPicPr>
-            <a:picLocks noChangeAspect="1"/>
-          </p:cNvPicPr>
-          <p:nvPr/>
-        </p:nvPicPr>
-        <p:blipFill>
-          <a:blip r:embed="rId2"/>
-          <a:stretch>
-            <a:fillRect/>
-          </a:stretch>
-        </p:blipFill>
-        <p:spPr>
-          <a:xfrm>
-            <a:off x="6814556" y="817320"/>
-            <a:ext cx="5013461" cy="4334783"/>
-          </a:xfrm>
-          <a:prstGeom prst="rect">
-            <a:avLst/>
-          </a:prstGeom>
-        </p:spPr>
-      </p:pic>
-      <p:pic>
-        <p:nvPicPr>
-          <p:cNvPr id="5" name="Picture 4">
-            <a:extLst>
-              <a:ext uri="{FF2B5EF4-FFF2-40B4-BE49-F238E27FC236}">
-                <a16:creationId xmlns:a16="http://schemas.microsoft.com/office/drawing/2014/main" id="{66C4990B-E504-4F62-AF4A-79CB0579398A}"/>
-              </a:ext>
-            </a:extLst>
-          </p:cNvPr>
-          <p:cNvPicPr>
-            <a:picLocks noChangeAspect="1"/>
-          </p:cNvPicPr>
-          <p:nvPr/>
-        </p:nvPicPr>
-        <p:blipFill>
-          <a:blip r:embed="rId3"/>
-          <a:stretch>
-            <a:fillRect/>
-          </a:stretch>
-        </p:blipFill>
-        <p:spPr>
-          <a:xfrm>
-            <a:off x="6804723" y="5152103"/>
-            <a:ext cx="5013461" cy="1337944"/>
-          </a:xfrm>
-          <a:prstGeom prst="rect">
-            <a:avLst/>
-          </a:prstGeom>
-        </p:spPr>
-      </p:pic>
-      <p:pic>
-        <p:nvPicPr>
-          <p:cNvPr id="17" name="Picture 16">
-            <a:extLst>
-              <a:ext uri="{FF2B5EF4-FFF2-40B4-BE49-F238E27FC236}">
-                <a16:creationId xmlns:a16="http://schemas.microsoft.com/office/drawing/2014/main" id="{9A1C70AE-1127-4034-A632-61EEB49FA612}"/>
-              </a:ext>
-            </a:extLst>
-          </p:cNvPr>
-          <p:cNvPicPr>
-            <a:picLocks noChangeAspect="1"/>
-          </p:cNvPicPr>
-          <p:nvPr/>
-        </p:nvPicPr>
-        <p:blipFill>
-          <a:blip r:embed="rId4"/>
-          <a:stretch>
-            <a:fillRect/>
-          </a:stretch>
-        </p:blipFill>
-        <p:spPr>
-          <a:xfrm>
-            <a:off x="2242170" y="817320"/>
-            <a:ext cx="1323175" cy="506285"/>
-          </a:xfrm>
-          <a:prstGeom prst="rect">
-            <a:avLst/>
-          </a:prstGeom>
-        </p:spPr>
-      </p:pic>
-      <p:pic>
-        <p:nvPicPr>
-          <p:cNvPr id="23" name="Picture 22">
-            <a:extLst>
-              <a:ext uri="{FF2B5EF4-FFF2-40B4-BE49-F238E27FC236}">
-                <a16:creationId xmlns:a16="http://schemas.microsoft.com/office/drawing/2014/main" id="{EE083F14-F12E-4539-A54E-1CA768ADED70}"/>
-              </a:ext>
-            </a:extLst>
-          </p:cNvPr>
-          <p:cNvPicPr>
-            <a:picLocks noChangeAspect="1"/>
-          </p:cNvPicPr>
-          <p:nvPr/>
-        </p:nvPicPr>
-        <p:blipFill>
-          <a:blip r:embed="rId5"/>
-          <a:stretch>
-            <a:fillRect/>
-          </a:stretch>
-        </p:blipFill>
-        <p:spPr>
-          <a:xfrm>
-            <a:off x="9889353" y="5152103"/>
-            <a:ext cx="1686461" cy="1143963"/>
-          </a:xfrm>
-          <a:prstGeom prst="rect">
-            <a:avLst/>
-          </a:prstGeom>
-        </p:spPr>
-      </p:pic>
-      <p:sp>
-        <p:nvSpPr>
-          <p:cNvPr id="24" name="TextBox 23">
-            <a:extLst>
-              <a:ext uri="{FF2B5EF4-FFF2-40B4-BE49-F238E27FC236}">
-                <a16:creationId xmlns:a16="http://schemas.microsoft.com/office/drawing/2014/main" id="{F5F05361-3BFD-4B93-9EA5-737CB3905DA7}"/>
-              </a:ext>
-            </a:extLst>
-          </p:cNvPr>
-          <p:cNvSpPr txBox="1"/>
-          <p:nvPr/>
-        </p:nvSpPr>
-        <p:spPr>
-          <a:xfrm>
-            <a:off x="540929" y="3787700"/>
-            <a:ext cx="6094378" cy="646331"/>
-          </a:xfrm>
-          <a:prstGeom prst="rect">
-            <a:avLst/>
-          </a:prstGeom>
-          <a:noFill/>
-        </p:spPr>
-        <p:txBody>
-          <a:bodyPr wrap="square">
-            <a:spAutoFit/>
-          </a:bodyPr>
-          <a:lstStyle/>
-          <a:p>
-            <a:endParaRPr lang="en-US" sz="1800" dirty="0"/>
-          </a:p>
-          <a:p>
-            <a:r>
-              <a:rPr lang="en-US" sz="1800" b="1" dirty="0"/>
-              <a:t>Document / Object Example</a:t>
-            </a:r>
-          </a:p>
-        </p:txBody>
-      </p:sp>
-      <p:pic>
-        <p:nvPicPr>
-          <p:cNvPr id="10" name="Picture 9">
-            <a:extLst>
-              <a:ext uri="{FF2B5EF4-FFF2-40B4-BE49-F238E27FC236}">
-                <a16:creationId xmlns:a16="http://schemas.microsoft.com/office/drawing/2014/main" id="{15F115A9-8CDE-4B38-BCCE-24EA067E1792}"/>
-              </a:ext>
-            </a:extLst>
-          </p:cNvPr>
-          <p:cNvPicPr>
-            <a:picLocks noChangeAspect="1"/>
-          </p:cNvPicPr>
-          <p:nvPr/>
-        </p:nvPicPr>
-        <p:blipFill>
-          <a:blip r:embed="rId6"/>
-          <a:stretch>
-            <a:fillRect/>
-          </a:stretch>
-        </p:blipFill>
-        <p:spPr>
-          <a:xfrm>
-            <a:off x="345527" y="4434031"/>
-            <a:ext cx="6485182" cy="2240474"/>
-          </a:xfrm>
-          <a:prstGeom prst="rect">
-            <a:avLst/>
-          </a:prstGeom>
-        </p:spPr>
-      </p:pic>
+          <p:cNvSpPr>
+            <a:spLocks noGrp="1"/>
+          </p:cNvSpPr>
+          <p:nvPr>
+            <p:ph idx="1"/>
+          </p:nvPr>
+        </p:nvSpPr>
+        <p:spPr/>
+        <p:txBody>
+          <a:bodyPr/>
+          <a:lstStyle/>
+          <a:p>
+            <a:endParaRPr lang="en-US"/>
+          </a:p>
+        </p:txBody>
+      </p:sp>
     </p:spTree>
     <p:extLst>
       <p:ext uri="{BB962C8B-B14F-4D97-AF65-F5344CB8AC3E}">
-        <p14:creationId xmlns:p14="http://schemas.microsoft.com/office/powerpoint/2010/main" val="3123545774"/>
+        <p14:creationId xmlns:p14="http://schemas.microsoft.com/office/powerpoint/2010/main" val="3925429705"/>
       </p:ext>
     </p:extLst>
   </p:cSld>
@@ -5354,6 +5439,64 @@
       </p:grpSpPr>
       <p:sp>
         <p:nvSpPr>
+          <p:cNvPr id="2" name="Title 1">
+            <a:extLst>
+              <a:ext uri="{FF2B5EF4-FFF2-40B4-BE49-F238E27FC236}">
+                <a16:creationId xmlns:a16="http://schemas.microsoft.com/office/drawing/2014/main" id="{EBCCA72D-EB81-4845-9234-81FA6DFF2728}"/>
+              </a:ext>
+            </a:extLst>
+          </p:cNvPr>
+          <p:cNvSpPr>
+            <a:spLocks noGrp="1"/>
+          </p:cNvSpPr>
+          <p:nvPr>
+            <p:ph type="title"/>
+          </p:nvPr>
+        </p:nvSpPr>
+        <p:spPr/>
+        <p:txBody>
+          <a:bodyPr/>
+          <a:lstStyle/>
+          <a:p>
+            <a:r>
+              <a:rPr lang="en-US" dirty="0"/>
+              <a:t>Additional Slides</a:t>
+            </a:r>
+          </a:p>
+        </p:txBody>
+      </p:sp>
+    </p:spTree>
+    <p:extLst>
+      <p:ext uri="{BB962C8B-B14F-4D97-AF65-F5344CB8AC3E}">
+        <p14:creationId xmlns:p14="http://schemas.microsoft.com/office/powerpoint/2010/main" val="820336023"/>
+      </p:ext>
+    </p:extLst>
+  </p:cSld>
+  <p:clrMapOvr>
+    <a:masterClrMapping/>
+  </p:clrMapOvr>
+</p:sld>
+</file>
+
+<file path=ppt/slides/slide9.xml><?xml version="1.0" encoding="utf-8"?>
+<p:sld xmlns:a="http://schemas.openxmlformats.org/drawingml/2006/main" xmlns:r="http://schemas.openxmlformats.org/officeDocument/2006/relationships" xmlns:p="http://schemas.openxmlformats.org/presentationml/2006/main">
+  <p:cSld>
+    <p:spTree>
+      <p:nvGrpSpPr>
+        <p:cNvPr id="1" name=""/>
+        <p:cNvGrpSpPr/>
+        <p:nvPr/>
+      </p:nvGrpSpPr>
+      <p:grpSpPr>
+        <a:xfrm>
+          <a:off x="0" y="0"/>
+          <a:ext cx="0" cy="0"/>
+          <a:chOff x="0" y="0"/>
+          <a:chExt cx="0" cy="0"/>
+        </a:xfrm>
+      </p:grpSpPr>
+      <p:sp>
+        <p:nvSpPr>
           <p:cNvPr id="11" name="TextBox 10">
             <a:extLst>
               <a:ext uri="{FF2B5EF4-FFF2-40B4-BE49-F238E27FC236}">
@@ -5367,7 +5510,7 @@
         <p:spPr>
           <a:xfrm>
             <a:off x="460643" y="506336"/>
-            <a:ext cx="5340389" cy="6155531"/>
+            <a:ext cx="5340389" cy="4447371"/>
           </a:xfrm>
           <a:prstGeom prst="rect">
             <a:avLst/>
@@ -5388,7 +5531,7 @@
           <a:p>
             <a:r>
               <a:rPr lang="en-US" b="1" dirty="0"/>
-              <a:t>Flask Server </a:t>
+              <a:t>NREL API Call</a:t>
             </a:r>
           </a:p>
           <a:p>
@@ -5396,142 +5539,56 @@
           </a:p>
           <a:p>
             <a:pPr marL="342900" indent="-342900">
-              <a:buAutoNum type="arabicPeriod"/>
+              <a:buFont typeface="Wingdings" panose="05000000000000000000" pitchFamily="2" charset="2"/>
+              <a:buChar char="q"/>
             </a:pPr>
             <a:r>
-              <a:rPr lang="en-US" sz="1400" dirty="0"/>
-              <a:t>Created 4 Routes that allow users to select the EV Providers that they want to view.</a:t>
-            </a:r>
-          </a:p>
-          <a:p>
-            <a:pPr marL="800100" lvl="1" indent="-342900">
-              <a:buAutoNum type="arabicPeriod"/>
-            </a:pPr>
-            <a:r>
-              <a:rPr lang="en-US" sz="1400" dirty="0"/>
-              <a:t>Tesla</a:t>
-            </a:r>
-          </a:p>
-          <a:p>
-            <a:pPr marL="800100" lvl="1" indent="-342900">
-              <a:buAutoNum type="arabicPeriod"/>
-            </a:pPr>
-            <a:r>
-              <a:rPr lang="en-US" sz="1400" dirty="0"/>
-              <a:t>Volta</a:t>
-            </a:r>
-          </a:p>
-          <a:p>
-            <a:pPr marL="800100" lvl="1" indent="-342900">
-              <a:buAutoNum type="arabicPeriod"/>
-            </a:pPr>
-            <a:r>
-              <a:rPr lang="en-US" sz="1400" dirty="0" err="1"/>
-              <a:t>Greenlots</a:t>
-            </a:r>
-            <a:endParaRPr lang="en-US" sz="1400" dirty="0"/>
-          </a:p>
-          <a:p>
-            <a:pPr marL="800100" lvl="1" indent="-342900">
-              <a:buAutoNum type="arabicPeriod"/>
-            </a:pPr>
-            <a:r>
-              <a:rPr lang="en-US" sz="1400" dirty="0"/>
-              <a:t>FLO</a:t>
-            </a:r>
-          </a:p>
-          <a:p>
-            <a:pPr marL="800100" lvl="1" indent="-342900">
-              <a:buAutoNum type="arabicPeriod"/>
+              <a:rPr lang="en-US" sz="1200" dirty="0"/>
+              <a:t>Initially pulled the information for each provider in separate calls and added them to the Mongo DB.</a:t>
+            </a:r>
+          </a:p>
+          <a:p>
+            <a:pPr marL="342900" indent="-342900">
+              <a:buFont typeface="Wingdings" panose="05000000000000000000" pitchFamily="2" charset="2"/>
+              <a:buChar char="q"/>
             </a:pPr>
             <a:endParaRPr lang="en-US" sz="1200" dirty="0"/>
           </a:p>
           <a:p>
-            <a:pPr marL="800100" lvl="1" indent="-342900">
-              <a:buAutoNum type="arabicPeriod"/>
+            <a:pPr marL="342900" indent="-342900">
+              <a:buFont typeface="Wingdings" panose="05000000000000000000" pitchFamily="2" charset="2"/>
+              <a:buChar char="q"/>
             </a:pPr>
+            <a:r>
+              <a:rPr lang="en-US" sz="1200" dirty="0"/>
+              <a:t>Refactored the code to create a For Loop using ZIP that looped through each provider and </a:t>
+            </a:r>
+          </a:p>
+          <a:p>
+            <a:endParaRPr lang="en-US" sz="1600" dirty="0"/>
+          </a:p>
+          <a:p>
+            <a:r>
+              <a:rPr lang="en-US" sz="1600" b="1" dirty="0"/>
+              <a:t>Refactored Code</a:t>
+            </a:r>
+          </a:p>
+          <a:p>
+            <a:pPr marL="354013" indent="-354013">
+              <a:spcBef>
+                <a:spcPts val="600"/>
+              </a:spcBef>
+              <a:buFont typeface="Wingdings" panose="05000000000000000000" pitchFamily="2" charset="2"/>
+              <a:buChar char="q"/>
+            </a:pPr>
+            <a:r>
+              <a:rPr lang="en-US" sz="1200" dirty="0"/>
+              <a:t>Was able to reduce the initial code that had over 200 lines down to just over 50 lines that used a ZIP function to loop through each provider and create a collection for each </a:t>
+            </a:r>
+          </a:p>
+          <a:p>
+            <a:pPr lvl="1"/>
             <a:endParaRPr lang="en-US" sz="1200" dirty="0"/>
-          </a:p>
-          <a:p>
-            <a:pPr marL="800100" lvl="1" indent="-342900">
-              <a:buAutoNum type="arabicPeriod"/>
-            </a:pPr>
-            <a:endParaRPr lang="en-US" sz="1200" dirty="0"/>
-          </a:p>
-          <a:p>
-            <a:pPr marL="800100" lvl="1" indent="-342900">
-              <a:buAutoNum type="arabicPeriod"/>
-            </a:pPr>
-            <a:endParaRPr lang="en-US" sz="1200" dirty="0"/>
-          </a:p>
-          <a:p>
-            <a:pPr marL="800100" lvl="1" indent="-342900">
-              <a:buAutoNum type="arabicPeriod"/>
-            </a:pPr>
-            <a:endParaRPr lang="en-US" sz="1200" dirty="0"/>
-          </a:p>
-          <a:p>
-            <a:pPr marL="342900" indent="-342900">
-              <a:buAutoNum type="arabicPeriod"/>
-            </a:pPr>
-            <a:endParaRPr lang="en-US" sz="1200" dirty="0"/>
-          </a:p>
-          <a:p>
-            <a:pPr marL="342900" indent="-342900">
-              <a:buAutoNum type="arabicPeriod"/>
-            </a:pPr>
-            <a:r>
-              <a:rPr lang="en-US" sz="1400" dirty="0"/>
-              <a:t>Provided key information on each station when selected</a:t>
-            </a:r>
-          </a:p>
-          <a:p>
-            <a:pPr marL="800100" lvl="1" indent="-342900">
-              <a:buAutoNum type="arabicPeriod"/>
-            </a:pPr>
-            <a:r>
-              <a:rPr lang="en-US" sz="1400" dirty="0"/>
-              <a:t>Facility Type</a:t>
-            </a:r>
-          </a:p>
-          <a:p>
-            <a:pPr marL="800100" lvl="1" indent="-342900">
-              <a:buAutoNum type="arabicPeriod"/>
-            </a:pPr>
-            <a:r>
-              <a:rPr lang="en-US" sz="1400" dirty="0"/>
-              <a:t>Access Days/Time</a:t>
-            </a:r>
-          </a:p>
-          <a:p>
-            <a:pPr marL="800100" lvl="1" indent="-342900">
-              <a:buAutoNum type="arabicPeriod"/>
-            </a:pPr>
-            <a:r>
-              <a:rPr lang="en-US" sz="1400" dirty="0"/>
-              <a:t>City</a:t>
-            </a:r>
-          </a:p>
-          <a:p>
-            <a:pPr marL="800100" lvl="1" indent="-342900">
-              <a:buAutoNum type="arabicPeriod"/>
-            </a:pPr>
-            <a:r>
-              <a:rPr lang="en-US" sz="1400" dirty="0"/>
-              <a:t>Street</a:t>
-            </a:r>
-          </a:p>
-          <a:p>
-            <a:pPr marL="800100" lvl="1" indent="-342900">
-              <a:buAutoNum type="arabicPeriod"/>
-            </a:pPr>
-            <a:r>
-              <a:rPr lang="en-US" sz="1400" dirty="0"/>
-              <a:t>State</a:t>
-            </a:r>
-          </a:p>
-          <a:p>
-            <a:endParaRPr lang="en-US" sz="1600" dirty="0"/>
           </a:p>
           <a:p>
             <a:endParaRPr lang="en-US" sz="1200" dirty="0"/>
@@ -5574,10 +5631,10 @@
       </p:sp>
       <p:pic>
         <p:nvPicPr>
-          <p:cNvPr id="8" name="Picture 7">
+          <p:cNvPr id="3" name="Picture 2">
             <a:extLst>
               <a:ext uri="{FF2B5EF4-FFF2-40B4-BE49-F238E27FC236}">
-                <a16:creationId xmlns:a16="http://schemas.microsoft.com/office/drawing/2014/main" id="{45168FC7-591C-4375-9F55-4CD37DF204E3}"/>
+                <a16:creationId xmlns:a16="http://schemas.microsoft.com/office/drawing/2014/main" id="{7AC38E74-B7A3-4A17-A651-3972E00C6DDF}"/>
               </a:ext>
             </a:extLst>
           </p:cNvPr>
@@ -5594,8 +5651,8 @@
         </p:blipFill>
         <p:spPr>
           <a:xfrm>
-            <a:off x="6804724" y="1302880"/>
-            <a:ext cx="4731515" cy="4615470"/>
+            <a:off x="6814556" y="817320"/>
+            <a:ext cx="5013461" cy="4334783"/>
           </a:xfrm>
           <a:prstGeom prst="rect">
             <a:avLst/>
@@ -5604,10 +5661,10 @@
       </p:pic>
       <p:pic>
         <p:nvPicPr>
-          <p:cNvPr id="10" name="Picture 9">
+          <p:cNvPr id="5" name="Picture 4">
             <a:extLst>
               <a:ext uri="{FF2B5EF4-FFF2-40B4-BE49-F238E27FC236}">
-                <a16:creationId xmlns:a16="http://schemas.microsoft.com/office/drawing/2014/main" id="{390F36B6-D5BF-4592-BF37-2C2C403D10E2}"/>
+                <a16:creationId xmlns:a16="http://schemas.microsoft.com/office/drawing/2014/main" id="{66C4990B-E504-4F62-AF4A-79CB0579398A}"/>
               </a:ext>
             </a:extLst>
           </p:cNvPr>
@@ -5624,8 +5681,8 @@
         </p:blipFill>
         <p:spPr>
           <a:xfrm>
-            <a:off x="4221929" y="4194733"/>
-            <a:ext cx="2330695" cy="1898195"/>
+            <a:off x="6804723" y="5152103"/>
+            <a:ext cx="5013461" cy="1337944"/>
           </a:xfrm>
           <a:prstGeom prst="rect">
             <a:avLst/>
@@ -5634,10 +5691,10 @@
       </p:pic>
       <p:pic>
         <p:nvPicPr>
-          <p:cNvPr id="14" name="Picture 13">
+          <p:cNvPr id="17" name="Picture 16">
             <a:extLst>
               <a:ext uri="{FF2B5EF4-FFF2-40B4-BE49-F238E27FC236}">
-                <a16:creationId xmlns:a16="http://schemas.microsoft.com/office/drawing/2014/main" id="{3D171E0C-1F62-4AC0-B990-1A2B2E061F3F}"/>
+                <a16:creationId xmlns:a16="http://schemas.microsoft.com/office/drawing/2014/main" id="{9A1C70AE-1127-4034-A632-61EEB49FA612}"/>
               </a:ext>
             </a:extLst>
           </p:cNvPr>
@@ -5654,8 +5711,106 @@
         </p:blipFill>
         <p:spPr>
           <a:xfrm>
-            <a:off x="5333458" y="1714169"/>
-            <a:ext cx="1199637" cy="1408268"/>
+            <a:off x="2242170" y="817320"/>
+            <a:ext cx="1323175" cy="506285"/>
+          </a:xfrm>
+          <a:prstGeom prst="rect">
+            <a:avLst/>
+          </a:prstGeom>
+        </p:spPr>
+      </p:pic>
+      <p:pic>
+        <p:nvPicPr>
+          <p:cNvPr id="23" name="Picture 22">
+            <a:extLst>
+              <a:ext uri="{FF2B5EF4-FFF2-40B4-BE49-F238E27FC236}">
+                <a16:creationId xmlns:a16="http://schemas.microsoft.com/office/drawing/2014/main" id="{EE083F14-F12E-4539-A54E-1CA768ADED70}"/>
+              </a:ext>
+            </a:extLst>
+          </p:cNvPr>
+          <p:cNvPicPr>
+            <a:picLocks noChangeAspect="1"/>
+          </p:cNvPicPr>
+          <p:nvPr/>
+        </p:nvPicPr>
+        <p:blipFill>
+          <a:blip r:embed="rId5"/>
+          <a:stretch>
+            <a:fillRect/>
+          </a:stretch>
+        </p:blipFill>
+        <p:spPr>
+          <a:xfrm>
+            <a:off x="9889353" y="5152103"/>
+            <a:ext cx="1686461" cy="1143963"/>
+          </a:xfrm>
+          <a:prstGeom prst="rect">
+            <a:avLst/>
+          </a:prstGeom>
+        </p:spPr>
+      </p:pic>
+      <p:sp>
+        <p:nvSpPr>
+          <p:cNvPr id="24" name="TextBox 23">
+            <a:extLst>
+              <a:ext uri="{FF2B5EF4-FFF2-40B4-BE49-F238E27FC236}">
+                <a16:creationId xmlns:a16="http://schemas.microsoft.com/office/drawing/2014/main" id="{F5F05361-3BFD-4B93-9EA5-737CB3905DA7}"/>
+              </a:ext>
+            </a:extLst>
+          </p:cNvPr>
+          <p:cNvSpPr txBox="1"/>
+          <p:nvPr/>
+        </p:nvSpPr>
+        <p:spPr>
+          <a:xfrm>
+            <a:off x="540929" y="3787700"/>
+            <a:ext cx="6094378" cy="646331"/>
+          </a:xfrm>
+          <a:prstGeom prst="rect">
+            <a:avLst/>
+          </a:prstGeom>
+          <a:noFill/>
+        </p:spPr>
+        <p:txBody>
+          <a:bodyPr wrap="square">
+            <a:spAutoFit/>
+          </a:bodyPr>
+          <a:lstStyle/>
+          <a:p>
+            <a:endParaRPr lang="en-US" sz="1800" dirty="0"/>
+          </a:p>
+          <a:p>
+            <a:r>
+              <a:rPr lang="en-US" sz="1800" b="1" dirty="0"/>
+              <a:t>Document / Object Example</a:t>
+            </a:r>
+          </a:p>
+        </p:txBody>
+      </p:sp>
+      <p:pic>
+        <p:nvPicPr>
+          <p:cNvPr id="10" name="Picture 9">
+            <a:extLst>
+              <a:ext uri="{FF2B5EF4-FFF2-40B4-BE49-F238E27FC236}">
+                <a16:creationId xmlns:a16="http://schemas.microsoft.com/office/drawing/2014/main" id="{15F115A9-8CDE-4B38-BCCE-24EA067E1792}"/>
+              </a:ext>
+            </a:extLst>
+          </p:cNvPr>
+          <p:cNvPicPr>
+            <a:picLocks noChangeAspect="1"/>
+          </p:cNvPicPr>
+          <p:nvPr/>
+        </p:nvPicPr>
+        <p:blipFill>
+          <a:blip r:embed="rId6"/>
+          <a:stretch>
+            <a:fillRect/>
+          </a:stretch>
+        </p:blipFill>
+        <p:spPr>
+          <a:xfrm>
+            <a:off x="345527" y="4434031"/>
+            <a:ext cx="6485182" cy="2240474"/>
           </a:xfrm>
           <a:prstGeom prst="rect">
             <a:avLst/>
@@ -5665,7 +5820,7 @@
     </p:spTree>
     <p:extLst>
       <p:ext uri="{BB962C8B-B14F-4D97-AF65-F5344CB8AC3E}">
-        <p14:creationId xmlns:p14="http://schemas.microsoft.com/office/powerpoint/2010/main" val="3245962510"/>
+        <p14:creationId xmlns:p14="http://schemas.microsoft.com/office/powerpoint/2010/main" val="3123545774"/>
       </p:ext>
     </p:extLst>
   </p:cSld>
